--- a/Minibase/FinalProject/FinalPresentation.pptx
+++ b/Minibase/FinalProject/FinalPresentation.pptx
@@ -307,7 +307,7 @@
             <a:fld id="{1D8BD707-D9CF-40AE-B4C6-C98DA3205C09}" type="datetimeFigureOut">
               <a:rPr lang="en-US" smtClean="0"/>
               <a:pPr/>
-              <a:t>8/21/2014</a:t>
+              <a:t>8/22/2014</a:t>
             </a:fld>
             <a:endParaRPr lang="en-US"/>
           </a:p>
@@ -479,7 +479,7 @@
             <a:fld id="{1D8BD707-D9CF-40AE-B4C6-C98DA3205C09}" type="datetimeFigureOut">
               <a:rPr lang="en-US" smtClean="0"/>
               <a:pPr/>
-              <a:t>8/21/2014</a:t>
+              <a:t>8/22/2014</a:t>
             </a:fld>
             <a:endParaRPr lang="en-US"/>
           </a:p>
@@ -661,7 +661,7 @@
             <a:fld id="{1D8BD707-D9CF-40AE-B4C6-C98DA3205C09}" type="datetimeFigureOut">
               <a:rPr lang="en-US" smtClean="0"/>
               <a:pPr/>
-              <a:t>8/21/2014</a:t>
+              <a:t>8/22/2014</a:t>
             </a:fld>
             <a:endParaRPr lang="en-US"/>
           </a:p>
@@ -833,7 +833,7 @@
             <a:fld id="{1D8BD707-D9CF-40AE-B4C6-C98DA3205C09}" type="datetimeFigureOut">
               <a:rPr lang="en-US" smtClean="0"/>
               <a:pPr/>
-              <a:t>8/21/2014</a:t>
+              <a:t>8/22/2014</a:t>
             </a:fld>
             <a:endParaRPr lang="en-US"/>
           </a:p>
@@ -1081,7 +1081,7 @@
             <a:fld id="{1D8BD707-D9CF-40AE-B4C6-C98DA3205C09}" type="datetimeFigureOut">
               <a:rPr lang="en-US" smtClean="0"/>
               <a:pPr/>
-              <a:t>8/21/2014</a:t>
+              <a:t>8/22/2014</a:t>
             </a:fld>
             <a:endParaRPr lang="en-US"/>
           </a:p>
@@ -1371,7 +1371,7 @@
             <a:fld id="{1D8BD707-D9CF-40AE-B4C6-C98DA3205C09}" type="datetimeFigureOut">
               <a:rPr lang="en-US" smtClean="0"/>
               <a:pPr/>
-              <a:t>8/21/2014</a:t>
+              <a:t>8/22/2014</a:t>
             </a:fld>
             <a:endParaRPr lang="en-US"/>
           </a:p>
@@ -1795,7 +1795,7 @@
             <a:fld id="{1D8BD707-D9CF-40AE-B4C6-C98DA3205C09}" type="datetimeFigureOut">
               <a:rPr lang="en-US" smtClean="0"/>
               <a:pPr/>
-              <a:t>8/21/2014</a:t>
+              <a:t>8/22/2014</a:t>
             </a:fld>
             <a:endParaRPr lang="en-US"/>
           </a:p>
@@ -1915,7 +1915,7 @@
             <a:fld id="{1D8BD707-D9CF-40AE-B4C6-C98DA3205C09}" type="datetimeFigureOut">
               <a:rPr lang="en-US" smtClean="0"/>
               <a:pPr/>
-              <a:t>8/21/2014</a:t>
+              <a:t>8/22/2014</a:t>
             </a:fld>
             <a:endParaRPr lang="en-US"/>
           </a:p>
@@ -2012,7 +2012,7 @@
             <a:fld id="{1D8BD707-D9CF-40AE-B4C6-C98DA3205C09}" type="datetimeFigureOut">
               <a:rPr lang="en-US" smtClean="0"/>
               <a:pPr/>
-              <a:t>8/21/2014</a:t>
+              <a:t>8/22/2014</a:t>
             </a:fld>
             <a:endParaRPr lang="en-US"/>
           </a:p>
@@ -2291,7 +2291,7 @@
             <a:fld id="{1D8BD707-D9CF-40AE-B4C6-C98DA3205C09}" type="datetimeFigureOut">
               <a:rPr lang="en-US" smtClean="0"/>
               <a:pPr/>
-              <a:t>8/21/2014</a:t>
+              <a:t>8/22/2014</a:t>
             </a:fld>
             <a:endParaRPr lang="en-US"/>
           </a:p>
@@ -2546,7 +2546,7 @@
             <a:fld id="{1D8BD707-D9CF-40AE-B4C6-C98DA3205C09}" type="datetimeFigureOut">
               <a:rPr lang="en-US" smtClean="0"/>
               <a:pPr/>
-              <a:t>8/21/2014</a:t>
+              <a:t>8/22/2014</a:t>
             </a:fld>
             <a:endParaRPr lang="en-US"/>
           </a:p>
@@ -2761,7 +2761,7 @@
             <a:fld id="{1D8BD707-D9CF-40AE-B4C6-C98DA3205C09}" type="datetimeFigureOut">
               <a:rPr lang="en-US" smtClean="0"/>
               <a:pPr/>
-              <a:t>8/21/2014</a:t>
+              <a:t>8/22/2014</a:t>
             </a:fld>
             <a:endParaRPr lang="en-US"/>
           </a:p>
@@ -3210,8 +3210,8 @@
           </a:p>
           <a:p>
             <a:r>
-              <a:rPr lang="en-US" dirty="0" err="1" smtClean="0"/>
-              <a:t>Shaneline</a:t>
+              <a:rPr lang="en-US" smtClean="0"/>
+              <a:t>Shanline</a:t>
             </a:r>
             <a:endParaRPr lang="en-US" dirty="0"/>
           </a:p>

--- a/Minibase/FinalProject/FinalPresentation.pptx
+++ b/Minibase/FinalProject/FinalPresentation.pptx
@@ -307,7 +307,7 @@
             <a:fld id="{1D8BD707-D9CF-40AE-B4C6-C98DA3205C09}" type="datetimeFigureOut">
               <a:rPr lang="en-US" smtClean="0"/>
               <a:pPr/>
-              <a:t>8/22/2014</a:t>
+              <a:t>8/26/2014</a:t>
             </a:fld>
             <a:endParaRPr lang="en-US"/>
           </a:p>
@@ -479,7 +479,7 @@
             <a:fld id="{1D8BD707-D9CF-40AE-B4C6-C98DA3205C09}" type="datetimeFigureOut">
               <a:rPr lang="en-US" smtClean="0"/>
               <a:pPr/>
-              <a:t>8/22/2014</a:t>
+              <a:t>8/26/2014</a:t>
             </a:fld>
             <a:endParaRPr lang="en-US"/>
           </a:p>
@@ -661,7 +661,7 @@
             <a:fld id="{1D8BD707-D9CF-40AE-B4C6-C98DA3205C09}" type="datetimeFigureOut">
               <a:rPr lang="en-US" smtClean="0"/>
               <a:pPr/>
-              <a:t>8/22/2014</a:t>
+              <a:t>8/26/2014</a:t>
             </a:fld>
             <a:endParaRPr lang="en-US"/>
           </a:p>
@@ -833,7 +833,7 @@
             <a:fld id="{1D8BD707-D9CF-40AE-B4C6-C98DA3205C09}" type="datetimeFigureOut">
               <a:rPr lang="en-US" smtClean="0"/>
               <a:pPr/>
-              <a:t>8/22/2014</a:t>
+              <a:t>8/26/2014</a:t>
             </a:fld>
             <a:endParaRPr lang="en-US"/>
           </a:p>
@@ -1081,7 +1081,7 @@
             <a:fld id="{1D8BD707-D9CF-40AE-B4C6-C98DA3205C09}" type="datetimeFigureOut">
               <a:rPr lang="en-US" smtClean="0"/>
               <a:pPr/>
-              <a:t>8/22/2014</a:t>
+              <a:t>8/26/2014</a:t>
             </a:fld>
             <a:endParaRPr lang="en-US"/>
           </a:p>
@@ -1371,7 +1371,7 @@
             <a:fld id="{1D8BD707-D9CF-40AE-B4C6-C98DA3205C09}" type="datetimeFigureOut">
               <a:rPr lang="en-US" smtClean="0"/>
               <a:pPr/>
-              <a:t>8/22/2014</a:t>
+              <a:t>8/26/2014</a:t>
             </a:fld>
             <a:endParaRPr lang="en-US"/>
           </a:p>
@@ -1795,7 +1795,7 @@
             <a:fld id="{1D8BD707-D9CF-40AE-B4C6-C98DA3205C09}" type="datetimeFigureOut">
               <a:rPr lang="en-US" smtClean="0"/>
               <a:pPr/>
-              <a:t>8/22/2014</a:t>
+              <a:t>8/26/2014</a:t>
             </a:fld>
             <a:endParaRPr lang="en-US"/>
           </a:p>
@@ -1915,7 +1915,7 @@
             <a:fld id="{1D8BD707-D9CF-40AE-B4C6-C98DA3205C09}" type="datetimeFigureOut">
               <a:rPr lang="en-US" smtClean="0"/>
               <a:pPr/>
-              <a:t>8/22/2014</a:t>
+              <a:t>8/26/2014</a:t>
             </a:fld>
             <a:endParaRPr lang="en-US"/>
           </a:p>
@@ -2012,7 +2012,7 @@
             <a:fld id="{1D8BD707-D9CF-40AE-B4C6-C98DA3205C09}" type="datetimeFigureOut">
               <a:rPr lang="en-US" smtClean="0"/>
               <a:pPr/>
-              <a:t>8/22/2014</a:t>
+              <a:t>8/26/2014</a:t>
             </a:fld>
             <a:endParaRPr lang="en-US"/>
           </a:p>
@@ -2291,7 +2291,7 @@
             <a:fld id="{1D8BD707-D9CF-40AE-B4C6-C98DA3205C09}" type="datetimeFigureOut">
               <a:rPr lang="en-US" smtClean="0"/>
               <a:pPr/>
-              <a:t>8/22/2014</a:t>
+              <a:t>8/26/2014</a:t>
             </a:fld>
             <a:endParaRPr lang="en-US"/>
           </a:p>
@@ -2546,7 +2546,7 @@
             <a:fld id="{1D8BD707-D9CF-40AE-B4C6-C98DA3205C09}" type="datetimeFigureOut">
               <a:rPr lang="en-US" smtClean="0"/>
               <a:pPr/>
-              <a:t>8/22/2014</a:t>
+              <a:t>8/26/2014</a:t>
             </a:fld>
             <a:endParaRPr lang="en-US"/>
           </a:p>
@@ -2761,7 +2761,7 @@
             <a:fld id="{1D8BD707-D9CF-40AE-B4C6-C98DA3205C09}" type="datetimeFigureOut">
               <a:rPr lang="en-US" smtClean="0"/>
               <a:pPr/>
-              <a:t>8/22/2014</a:t>
+              <a:t>8/26/2014</a:t>
             </a:fld>
             <a:endParaRPr lang="en-US"/>
           </a:p>
@@ -5950,7 +5950,7 @@
       </p:grpSpPr>
       <p:pic>
         <p:nvPicPr>
-          <p:cNvPr id="1026" name="Picture 2" descr="C:\Users\MIKE\Dropbox\database\final\final_pro\relationshipdiagram.jpg"/>
+          <p:cNvPr id="1027" name="Picture 3" descr="C:\Users\MIKE\git\hairy-wookie\Minibase\FinalProject\diagrams\relationship\relationshipdiagram.png"/>
           <p:cNvPicPr>
             <a:picLocks noChangeAspect="1" noChangeArrowheads="1"/>
           </p:cNvPicPr>
@@ -5971,8 +5971,8 @@
         </p:blipFill>
         <p:spPr bwMode="auto">
           <a:xfrm>
-            <a:off x="907143" y="-353848"/>
-            <a:ext cx="7469414" cy="7211848"/>
+            <a:off x="609600" y="-457200"/>
+            <a:ext cx="7653338" cy="7426010"/>
           </a:xfrm>
           <a:prstGeom prst="rect">
             <a:avLst/>

--- a/Minibase/FinalProject/FinalPresentation.pptx
+++ b/Minibase/FinalProject/FinalPresentation.pptx
@@ -309,7 +309,7 @@
               <a:pPr/>
               <a:t>8/26/2014</a:t>
             </a:fld>
-            <a:endParaRPr lang="en-US"/>
+            <a:endParaRPr lang="en-US" dirty="0"/>
           </a:p>
         </p:txBody>
       </p:sp>
@@ -328,7 +328,7 @@
           <a:bodyPr/>
           <a:lstStyle/>
           <a:p>
-            <a:endParaRPr lang="en-US"/>
+            <a:endParaRPr lang="en-US" dirty="0"/>
           </a:p>
         </p:txBody>
       </p:sp>
@@ -352,7 +352,7 @@
               <a:pPr/>
               <a:t>‹#›</a:t>
             </a:fld>
-            <a:endParaRPr lang="en-US"/>
+            <a:endParaRPr lang="en-US" dirty="0"/>
           </a:p>
         </p:txBody>
       </p:sp>
@@ -481,7 +481,7 @@
               <a:pPr/>
               <a:t>8/26/2014</a:t>
             </a:fld>
-            <a:endParaRPr lang="en-US"/>
+            <a:endParaRPr lang="en-US" dirty="0"/>
           </a:p>
         </p:txBody>
       </p:sp>
@@ -500,7 +500,7 @@
           <a:bodyPr/>
           <a:lstStyle/>
           <a:p>
-            <a:endParaRPr lang="en-US"/>
+            <a:endParaRPr lang="en-US" dirty="0"/>
           </a:p>
         </p:txBody>
       </p:sp>
@@ -524,7 +524,7 @@
               <a:pPr/>
               <a:t>‹#›</a:t>
             </a:fld>
-            <a:endParaRPr lang="en-US"/>
+            <a:endParaRPr lang="en-US" dirty="0"/>
           </a:p>
         </p:txBody>
       </p:sp>
@@ -663,7 +663,7 @@
               <a:pPr/>
               <a:t>8/26/2014</a:t>
             </a:fld>
-            <a:endParaRPr lang="en-US"/>
+            <a:endParaRPr lang="en-US" dirty="0"/>
           </a:p>
         </p:txBody>
       </p:sp>
@@ -682,7 +682,7 @@
           <a:bodyPr/>
           <a:lstStyle/>
           <a:p>
-            <a:endParaRPr lang="en-US"/>
+            <a:endParaRPr lang="en-US" dirty="0"/>
           </a:p>
         </p:txBody>
       </p:sp>
@@ -706,7 +706,7 @@
               <a:pPr/>
               <a:t>‹#›</a:t>
             </a:fld>
-            <a:endParaRPr lang="en-US"/>
+            <a:endParaRPr lang="en-US" dirty="0"/>
           </a:p>
         </p:txBody>
       </p:sp>
@@ -835,7 +835,7 @@
               <a:pPr/>
               <a:t>8/26/2014</a:t>
             </a:fld>
-            <a:endParaRPr lang="en-US"/>
+            <a:endParaRPr lang="en-US" dirty="0"/>
           </a:p>
         </p:txBody>
       </p:sp>
@@ -854,7 +854,7 @@
           <a:bodyPr/>
           <a:lstStyle/>
           <a:p>
-            <a:endParaRPr lang="en-US"/>
+            <a:endParaRPr lang="en-US" dirty="0"/>
           </a:p>
         </p:txBody>
       </p:sp>
@@ -878,7 +878,7 @@
               <a:pPr/>
               <a:t>‹#›</a:t>
             </a:fld>
-            <a:endParaRPr lang="en-US"/>
+            <a:endParaRPr lang="en-US" dirty="0"/>
           </a:p>
         </p:txBody>
       </p:sp>
@@ -1083,7 +1083,7 @@
               <a:pPr/>
               <a:t>8/26/2014</a:t>
             </a:fld>
-            <a:endParaRPr lang="en-US"/>
+            <a:endParaRPr lang="en-US" dirty="0"/>
           </a:p>
         </p:txBody>
       </p:sp>
@@ -1102,7 +1102,7 @@
           <a:bodyPr/>
           <a:lstStyle/>
           <a:p>
-            <a:endParaRPr lang="en-US"/>
+            <a:endParaRPr lang="en-US" dirty="0"/>
           </a:p>
         </p:txBody>
       </p:sp>
@@ -1126,7 +1126,7 @@
               <a:pPr/>
               <a:t>‹#›</a:t>
             </a:fld>
-            <a:endParaRPr lang="en-US"/>
+            <a:endParaRPr lang="en-US" dirty="0"/>
           </a:p>
         </p:txBody>
       </p:sp>
@@ -1373,7 +1373,7 @@
               <a:pPr/>
               <a:t>8/26/2014</a:t>
             </a:fld>
-            <a:endParaRPr lang="en-US"/>
+            <a:endParaRPr lang="en-US" dirty="0"/>
           </a:p>
         </p:txBody>
       </p:sp>
@@ -1392,7 +1392,7 @@
           <a:bodyPr/>
           <a:lstStyle/>
           <a:p>
-            <a:endParaRPr lang="en-US"/>
+            <a:endParaRPr lang="en-US" dirty="0"/>
           </a:p>
         </p:txBody>
       </p:sp>
@@ -1416,7 +1416,7 @@
               <a:pPr/>
               <a:t>‹#›</a:t>
             </a:fld>
-            <a:endParaRPr lang="en-US"/>
+            <a:endParaRPr lang="en-US" dirty="0"/>
           </a:p>
         </p:txBody>
       </p:sp>
@@ -1797,7 +1797,7 @@
               <a:pPr/>
               <a:t>8/26/2014</a:t>
             </a:fld>
-            <a:endParaRPr lang="en-US"/>
+            <a:endParaRPr lang="en-US" dirty="0"/>
           </a:p>
         </p:txBody>
       </p:sp>
@@ -1816,7 +1816,7 @@
           <a:bodyPr/>
           <a:lstStyle/>
           <a:p>
-            <a:endParaRPr lang="en-US"/>
+            <a:endParaRPr lang="en-US" dirty="0"/>
           </a:p>
         </p:txBody>
       </p:sp>
@@ -1840,7 +1840,7 @@
               <a:pPr/>
               <a:t>‹#›</a:t>
             </a:fld>
-            <a:endParaRPr lang="en-US"/>
+            <a:endParaRPr lang="en-US" dirty="0"/>
           </a:p>
         </p:txBody>
       </p:sp>
@@ -1917,7 +1917,7 @@
               <a:pPr/>
               <a:t>8/26/2014</a:t>
             </a:fld>
-            <a:endParaRPr lang="en-US"/>
+            <a:endParaRPr lang="en-US" dirty="0"/>
           </a:p>
         </p:txBody>
       </p:sp>
@@ -1936,7 +1936,7 @@
           <a:bodyPr/>
           <a:lstStyle/>
           <a:p>
-            <a:endParaRPr lang="en-US"/>
+            <a:endParaRPr lang="en-US" dirty="0"/>
           </a:p>
         </p:txBody>
       </p:sp>
@@ -1960,7 +1960,7 @@
               <a:pPr/>
               <a:t>‹#›</a:t>
             </a:fld>
-            <a:endParaRPr lang="en-US"/>
+            <a:endParaRPr lang="en-US" dirty="0"/>
           </a:p>
         </p:txBody>
       </p:sp>
@@ -2014,7 +2014,7 @@
               <a:pPr/>
               <a:t>8/26/2014</a:t>
             </a:fld>
-            <a:endParaRPr lang="en-US"/>
+            <a:endParaRPr lang="en-US" dirty="0"/>
           </a:p>
         </p:txBody>
       </p:sp>
@@ -2033,7 +2033,7 @@
           <a:bodyPr/>
           <a:lstStyle/>
           <a:p>
-            <a:endParaRPr lang="en-US"/>
+            <a:endParaRPr lang="en-US" dirty="0"/>
           </a:p>
         </p:txBody>
       </p:sp>
@@ -2057,7 +2057,7 @@
               <a:pPr/>
               <a:t>‹#›</a:t>
             </a:fld>
-            <a:endParaRPr lang="en-US"/>
+            <a:endParaRPr lang="en-US" dirty="0"/>
           </a:p>
         </p:txBody>
       </p:sp>
@@ -2293,7 +2293,7 @@
               <a:pPr/>
               <a:t>8/26/2014</a:t>
             </a:fld>
-            <a:endParaRPr lang="en-US"/>
+            <a:endParaRPr lang="en-US" dirty="0"/>
           </a:p>
         </p:txBody>
       </p:sp>
@@ -2312,7 +2312,7 @@
           <a:bodyPr/>
           <a:lstStyle/>
           <a:p>
-            <a:endParaRPr lang="en-US"/>
+            <a:endParaRPr lang="en-US" dirty="0"/>
           </a:p>
         </p:txBody>
       </p:sp>
@@ -2336,7 +2336,7 @@
               <a:pPr/>
               <a:t>‹#›</a:t>
             </a:fld>
-            <a:endParaRPr lang="en-US"/>
+            <a:endParaRPr lang="en-US" dirty="0"/>
           </a:p>
         </p:txBody>
       </p:sp>
@@ -2459,7 +2459,7 @@
             </a:lvl9pPr>
           </a:lstStyle>
           <a:p>
-            <a:endParaRPr lang="en-US"/>
+            <a:endParaRPr lang="en-US" dirty="0"/>
           </a:p>
         </p:txBody>
       </p:sp>
@@ -2548,7 +2548,7 @@
               <a:pPr/>
               <a:t>8/26/2014</a:t>
             </a:fld>
-            <a:endParaRPr lang="en-US"/>
+            <a:endParaRPr lang="en-US" dirty="0"/>
           </a:p>
         </p:txBody>
       </p:sp>
@@ -2567,7 +2567,7 @@
           <a:bodyPr/>
           <a:lstStyle/>
           <a:p>
-            <a:endParaRPr lang="en-US"/>
+            <a:endParaRPr lang="en-US" dirty="0"/>
           </a:p>
         </p:txBody>
       </p:sp>
@@ -2591,7 +2591,7 @@
               <a:pPr/>
               <a:t>‹#›</a:t>
             </a:fld>
-            <a:endParaRPr lang="en-US"/>
+            <a:endParaRPr lang="en-US" dirty="0"/>
           </a:p>
         </p:txBody>
       </p:sp>
@@ -2763,7 +2763,7 @@
               <a:pPr/>
               <a:t>8/26/2014</a:t>
             </a:fld>
-            <a:endParaRPr lang="en-US"/>
+            <a:endParaRPr lang="en-US" dirty="0"/>
           </a:p>
         </p:txBody>
       </p:sp>
@@ -2800,7 +2800,7 @@
             </a:lvl1pPr>
           </a:lstStyle>
           <a:p>
-            <a:endParaRPr lang="en-US"/>
+            <a:endParaRPr lang="en-US" dirty="0"/>
           </a:p>
         </p:txBody>
       </p:sp>
@@ -2842,7 +2842,7 @@
               <a:pPr/>
               <a:t>‹#›</a:t>
             </a:fld>
-            <a:endParaRPr lang="en-US"/>
+            <a:endParaRPr lang="en-US" dirty="0"/>
           </a:p>
         </p:txBody>
       </p:sp>
@@ -3210,7 +3210,7 @@
           </a:p>
           <a:p>
             <a:r>
-              <a:rPr lang="en-US" smtClean="0"/>
+              <a:rPr lang="en-US" dirty="0" err="1" smtClean="0"/>
               <a:t>Shanline</a:t>
             </a:r>
             <a:endParaRPr lang="en-US" dirty="0"/>
@@ -3902,7 +3902,7 @@
         </p:spPr>
         <p:txBody>
           <a:bodyPr>
-            <a:normAutofit/>
+            <a:noAutofit/>
           </a:bodyPr>
           <a:lstStyle/>
           <a:p>
@@ -3911,40 +3911,28 @@
               <a:buAutoNum type="arabicPeriod"/>
             </a:pPr>
             <a:r>
-              <a:rPr lang="en-US" sz="2600" dirty="0" smtClean="0"/>
+              <a:rPr lang="en-US" sz="2800" dirty="0" smtClean="0"/>
               <a:t> </a:t>
             </a:r>
             <a:r>
-              <a:rPr lang="en-US" sz="2600" b="1" dirty="0" smtClean="0"/>
+              <a:rPr lang="en-US" sz="2800" b="1" dirty="0" smtClean="0"/>
               <a:t>User</a:t>
             </a:r>
             <a:r>
-              <a:rPr lang="en-US" sz="2600" dirty="0" smtClean="0"/>
+              <a:rPr lang="en-US" sz="2800" dirty="0" smtClean="0"/>
               <a:t>[</a:t>
             </a:r>
             <a:r>
-              <a:rPr lang="en-US" sz="2600" u="sng" dirty="0" err="1" smtClean="0"/>
-              <a:t>userId</a:t>
-            </a:r>
-            <a:r>
-              <a:rPr lang="en-US" sz="2600" dirty="0" smtClean="0"/>
+              <a:rPr lang="en-US" sz="2800" u="sng" dirty="0" smtClean="0"/>
+              <a:t>user_id</a:t>
+            </a:r>
+            <a:r>
+              <a:rPr lang="en-US" sz="2800" dirty="0" smtClean="0"/>
               <a:t>, </a:t>
             </a:r>
             <a:r>
-              <a:rPr lang="en-US" sz="2600" dirty="0" err="1" smtClean="0"/>
-              <a:t>joindate</a:t>
-            </a:r>
-            <a:r>
-              <a:rPr lang="en-US" sz="2600" dirty="0" smtClean="0"/>
-              <a:t>, username, password, </a:t>
-            </a:r>
-            <a:r>
-              <a:rPr lang="en-US" sz="2600" dirty="0" err="1" smtClean="0"/>
-              <a:t>profile_pic_id</a:t>
-            </a:r>
-            <a:r>
-              <a:rPr lang="en-US" sz="2600" dirty="0" smtClean="0"/>
-              <a:t>]</a:t>
+              <a:rPr lang="en-US" sz="2800" dirty="0" smtClean="0"/>
+              <a:t>joindate, username, password, profile_pic_id]</a:t>
             </a:r>
           </a:p>
           <a:p>
@@ -3953,39 +3941,31 @@
               <a:buAutoNum type="arabicPeriod"/>
             </a:pPr>
             <a:r>
-              <a:rPr lang="en-US" sz="2600" dirty="0" smtClean="0"/>
+              <a:rPr lang="en-US" sz="2800" dirty="0" smtClean="0"/>
               <a:t> </a:t>
             </a:r>
             <a:r>
-              <a:rPr lang="en-US" sz="2600" b="1" dirty="0" smtClean="0"/>
-              <a:t>Friends</a:t>
-            </a:r>
-            <a:r>
-              <a:rPr lang="en-US" sz="2600" dirty="0" smtClean="0"/>
-              <a:t>[</a:t>
-            </a:r>
-            <a:r>
-              <a:rPr lang="en-US" sz="2600" u="sng" dirty="0" err="1" smtClean="0"/>
-              <a:t>friendID</a:t>
-            </a:r>
-            <a:r>
-              <a:rPr lang="en-US" sz="2600" dirty="0" smtClean="0"/>
+              <a:rPr lang="en-US" sz="2800" b="1" dirty="0" smtClean="0"/>
+              <a:t>UserFriends</a:t>
+            </a:r>
+            <a:r>
+              <a:rPr lang="en-US" sz="2800" dirty="0" smtClean="0"/>
+              <a:t>[ </a:t>
+            </a:r>
+            <a:r>
+              <a:rPr lang="en-US" sz="2800" u="sng" dirty="0" smtClean="0"/>
+              <a:t>userID</a:t>
+            </a:r>
+            <a:r>
+              <a:rPr lang="en-US" sz="2800" dirty="0" smtClean="0"/>
               <a:t>, </a:t>
             </a:r>
             <a:r>
-              <a:rPr lang="en-US" sz="2600" dirty="0" err="1" smtClean="0"/>
-              <a:t>userID</a:t>
-            </a:r>
-            <a:r>
-              <a:rPr lang="en-US" sz="2600" dirty="0" smtClean="0"/>
-              <a:t>, </a:t>
-            </a:r>
-            <a:r>
-              <a:rPr lang="en-US" sz="2600" dirty="0" err="1" smtClean="0"/>
+              <a:rPr lang="en-US" sz="2800" u="sng" dirty="0" smtClean="0"/>
               <a:t>friend_user_id</a:t>
             </a:r>
             <a:r>
-              <a:rPr lang="en-US" sz="2600" dirty="0" smtClean="0"/>
+              <a:rPr lang="en-US" sz="2800" dirty="0" smtClean="0"/>
               <a:t>]</a:t>
             </a:r>
           </a:p>
@@ -3995,54 +3975,38 @@
               <a:buAutoNum type="arabicPeriod"/>
             </a:pPr>
             <a:r>
-              <a:rPr lang="en-US" sz="2600" dirty="0" smtClean="0"/>
+              <a:rPr lang="en-US" sz="2800" dirty="0" smtClean="0"/>
               <a:t> </a:t>
             </a:r>
             <a:r>
-              <a:rPr lang="en-US" sz="2600" b="1" dirty="0" err="1" smtClean="0"/>
+              <a:rPr lang="en-US" sz="2800" b="1" dirty="0" smtClean="0"/>
               <a:t>PhotoFiles</a:t>
             </a:r>
             <a:r>
-              <a:rPr lang="en-US" sz="2600" dirty="0" smtClean="0"/>
+              <a:rPr lang="en-US" sz="2800" dirty="0" smtClean="0"/>
               <a:t>[</a:t>
             </a:r>
             <a:r>
-              <a:rPr lang="en-US" sz="2600" u="sng" dirty="0" err="1" smtClean="0"/>
-              <a:t>photoId</a:t>
-            </a:r>
-            <a:r>
-              <a:rPr lang="en-US" sz="2600" dirty="0" err="1" smtClean="0"/>
-              <a:t>,uploaddate</a:t>
-            </a:r>
-            <a:r>
-              <a:rPr lang="en-US" sz="2600" dirty="0" smtClean="0"/>
-              <a:t>, </a:t>
-            </a:r>
-            <a:r>
-              <a:rPr lang="en-US" sz="2600" dirty="0" err="1" smtClean="0"/>
-              <a:t>uploadname</a:t>
-            </a:r>
-            <a:r>
-              <a:rPr lang="en-US" sz="2600" dirty="0" smtClean="0"/>
-              <a:t>, caption, </a:t>
-            </a:r>
-            <a:r>
-              <a:rPr lang="en-US" sz="2600" dirty="0" err="1" smtClean="0"/>
-              <a:t>filelocation</a:t>
-            </a:r>
-            <a:r>
-              <a:rPr lang="en-US" sz="2600" dirty="0" smtClean="0"/>
-              <a:t>, </a:t>
-            </a:r>
-            <a:r>
-              <a:rPr lang="en-US" sz="2600" dirty="0" err="1" smtClean="0"/>
-              <a:t>album_id</a:t>
-            </a:r>
-            <a:r>
-              <a:rPr lang="en-US" sz="2600" dirty="0" smtClean="0"/>
+              <a:rPr lang="en-US" sz="2800" u="sng" dirty="0" smtClean="0"/>
+              <a:t>photo_id</a:t>
+            </a:r>
+            <a:r>
+              <a:rPr lang="en-US" sz="2800" dirty="0" smtClean="0"/>
+              <a:t>, uploaddate</a:t>
+            </a:r>
+            <a:r>
+              <a:rPr lang="en-US" sz="2800" dirty="0" smtClean="0"/>
+              <a:t>, uploadname, caption, filelocation, </a:t>
+            </a:r>
+            <a:r>
+              <a:rPr lang="en-US" sz="2800" dirty="0" smtClean="0"/>
+              <a:t>owner_id, album_id</a:t>
+            </a:r>
+            <a:r>
+              <a:rPr lang="en-US" sz="2800" dirty="0" smtClean="0"/>
               <a:t>]</a:t>
             </a:r>
-            <a:endParaRPr lang="en-US" sz="2600" dirty="0"/>
+            <a:endParaRPr lang="en-US" sz="2800" dirty="0"/>
           </a:p>
           <a:p>
             <a:pPr marL="514350" indent="-514350">
@@ -4050,41 +4014,42 @@
               <a:buAutoNum type="arabicPeriod"/>
             </a:pPr>
             <a:r>
-              <a:rPr lang="en-US" sz="2600" dirty="0" smtClean="0"/>
+              <a:rPr lang="en-US" sz="2800" dirty="0" smtClean="0"/>
               <a:t> </a:t>
             </a:r>
             <a:r>
-              <a:rPr lang="en-US" sz="2600" b="1" dirty="0" err="1" smtClean="0"/>
-              <a:t>PhotoUserLinks</a:t>
-            </a:r>
-            <a:r>
-              <a:rPr lang="en-US" sz="2600" dirty="0" smtClean="0"/>
-              <a:t>[</a:t>
-            </a:r>
-            <a:r>
-              <a:rPr lang="en-US" sz="2600" u="sng" dirty="0" err="1" smtClean="0"/>
-              <a:t>connectionId</a:t>
-            </a:r>
-            <a:r>
-              <a:rPr lang="en-US" sz="2600" dirty="0" smtClean="0"/>
+              <a:rPr lang="en-US" sz="2800" b="1" dirty="0" smtClean="0"/>
+              <a:t>PhotoComments</a:t>
+            </a:r>
+            <a:r>
+              <a:rPr lang="en-US" sz="2800" dirty="0" smtClean="0"/>
+              <a:t>[ </a:t>
+            </a:r>
+            <a:r>
+              <a:rPr lang="en-US" sz="2800" u="sng" dirty="0" smtClean="0"/>
+              <a:t>comment_id</a:t>
+            </a:r>
+            <a:r>
+              <a:rPr lang="en-US" sz="2800" dirty="0" smtClean="0"/>
               <a:t>, </a:t>
             </a:r>
             <a:r>
-              <a:rPr lang="en-US" sz="2600" dirty="0" err="1" smtClean="0"/>
-              <a:t>userID</a:t>
-            </a:r>
-            <a:r>
-              <a:rPr lang="en-US" sz="2600" dirty="0" smtClean="0"/>
-              <a:t>, </a:t>
-            </a:r>
-            <a:r>
-              <a:rPr lang="en-US" sz="2600" dirty="0" err="1" smtClean="0"/>
-              <a:t>photoID</a:t>
-            </a:r>
-            <a:r>
-              <a:rPr lang="en-US" sz="2600" dirty="0" smtClean="0"/>
+              <a:rPr lang="en-US" sz="2800" dirty="0" smtClean="0"/>
+              <a:t>userID, </a:t>
+            </a:r>
+            <a:r>
+              <a:rPr lang="en-US" sz="2800" dirty="0" smtClean="0"/>
+              <a:t>photo_id</a:t>
+            </a:r>
+            <a:r>
+              <a:rPr lang="en-US" sz="2800" dirty="0" smtClean="0"/>
+              <a:t>, comment_text</a:t>
+            </a:r>
+            <a:r>
+              <a:rPr lang="en-US" sz="2800" dirty="0" smtClean="0"/>
               <a:t>]</a:t>
             </a:r>
+            <a:endParaRPr lang="en-US" sz="2800" dirty="0"/>
           </a:p>
           <a:p>
             <a:pPr marL="514350" indent="-514350">
@@ -4092,42 +4057,34 @@
               <a:buAutoNum type="arabicPeriod"/>
             </a:pPr>
             <a:r>
-              <a:rPr lang="en-US" sz="2600" dirty="0" smtClean="0"/>
+              <a:rPr lang="en-US" sz="2800" dirty="0"/>
               <a:t> </a:t>
             </a:r>
             <a:r>
-              <a:rPr lang="en-US" sz="2600" b="1" dirty="0" err="1" smtClean="0"/>
-              <a:t>PhotoComments</a:t>
-            </a:r>
-            <a:r>
-              <a:rPr lang="en-US" sz="2600" dirty="0" smtClean="0"/>
+              <a:rPr lang="en-US" sz="2800" b="1" dirty="0" smtClean="0"/>
+              <a:t>PhotoLike</a:t>
+            </a:r>
+            <a:r>
+              <a:rPr lang="en-US" sz="2800" dirty="0" smtClean="0"/>
               <a:t>[</a:t>
             </a:r>
             <a:r>
-              <a:rPr lang="en-US" sz="2600" u="sng" dirty="0" err="1" smtClean="0"/>
-              <a:t>connectionId</a:t>
-            </a:r>
-            <a:r>
-              <a:rPr lang="en-US" sz="2600" dirty="0" smtClean="0"/>
+              <a:rPr lang="en-US" sz="2800" u="sng" dirty="0" smtClean="0"/>
+              <a:t>user_id</a:t>
+            </a:r>
+            <a:r>
+              <a:rPr lang="en-US" sz="2800" dirty="0" smtClean="0"/>
               <a:t>, </a:t>
             </a:r>
             <a:r>
-              <a:rPr lang="en-US" sz="2600" dirty="0" err="1" smtClean="0"/>
-              <a:t>userID</a:t>
-            </a:r>
-            <a:r>
-              <a:rPr lang="en-US" sz="2600" dirty="0" smtClean="0"/>
-              <a:t>, </a:t>
-            </a:r>
-            <a:r>
-              <a:rPr lang="en-US" sz="2600" dirty="0" err="1" smtClean="0"/>
-              <a:t>photoID</a:t>
-            </a:r>
-            <a:r>
-              <a:rPr lang="en-US" sz="2600" dirty="0" smtClean="0"/>
+              <a:rPr lang="en-US" sz="2800" u="sng" dirty="0" smtClean="0"/>
+              <a:t>photo_id</a:t>
+            </a:r>
+            <a:r>
+              <a:rPr lang="en-US" sz="2800" dirty="0" smtClean="0"/>
               <a:t>]</a:t>
             </a:r>
-            <a:endParaRPr lang="en-US" sz="2600" dirty="0"/>
+            <a:endParaRPr lang="en-US" sz="2800" dirty="0"/>
           </a:p>
           <a:p>
             <a:pPr marL="514350" indent="-514350">
@@ -4135,42 +4092,34 @@
               <a:buAutoNum type="arabicPeriod"/>
             </a:pPr>
             <a:r>
-              <a:rPr lang="en-US" sz="2600" dirty="0"/>
+              <a:rPr lang="en-US" sz="2800" dirty="0"/>
               <a:t> </a:t>
             </a:r>
             <a:r>
-              <a:rPr lang="en-US" sz="2600" b="1" dirty="0" err="1" smtClean="0"/>
-              <a:t>PhotoLike</a:t>
-            </a:r>
-            <a:r>
-              <a:rPr lang="en-US" sz="2600" dirty="0" smtClean="0"/>
+              <a:rPr lang="en-US" sz="2800" b="1" dirty="0" smtClean="0"/>
+              <a:t>CommentLike</a:t>
+            </a:r>
+            <a:r>
+              <a:rPr lang="en-US" sz="2800" dirty="0" smtClean="0"/>
               <a:t>[</a:t>
             </a:r>
             <a:r>
-              <a:rPr lang="en-US" sz="2600" u="sng" dirty="0" err="1" smtClean="0"/>
-              <a:t>connectionId</a:t>
-            </a:r>
-            <a:r>
-              <a:rPr lang="en-US" sz="2600" dirty="0"/>
+              <a:rPr lang="en-US" sz="2800" u="sng" dirty="0" smtClean="0"/>
+              <a:t>user_id</a:t>
+            </a:r>
+            <a:r>
+              <a:rPr lang="en-US" sz="2800" dirty="0" smtClean="0"/>
               <a:t>, </a:t>
             </a:r>
             <a:r>
-              <a:rPr lang="en-US" sz="2600" dirty="0" err="1"/>
-              <a:t>userID</a:t>
-            </a:r>
-            <a:r>
-              <a:rPr lang="en-US" sz="2600" dirty="0"/>
-              <a:t>, </a:t>
-            </a:r>
-            <a:r>
-              <a:rPr lang="en-US" sz="2600" dirty="0" err="1" smtClean="0"/>
-              <a:t>photoID</a:t>
-            </a:r>
-            <a:r>
-              <a:rPr lang="en-US" sz="2600" dirty="0" smtClean="0"/>
+              <a:rPr lang="en-US" sz="2800" u="sng" dirty="0" smtClean="0"/>
+              <a:t>comment_id</a:t>
+            </a:r>
+            <a:r>
+              <a:rPr lang="en-US" sz="2800" dirty="0" smtClean="0"/>
               <a:t>]</a:t>
             </a:r>
-            <a:endParaRPr lang="en-US" sz="2600" dirty="0"/>
+            <a:endParaRPr lang="en-US" sz="2800" dirty="0" smtClean="0"/>
           </a:p>
           <a:p>
             <a:pPr marL="514350" indent="-514350">
@@ -4178,92 +4127,42 @@
               <a:buAutoNum type="arabicPeriod"/>
             </a:pPr>
             <a:r>
-              <a:rPr lang="en-US" sz="2600" dirty="0"/>
+              <a:rPr lang="en-US" sz="2800" dirty="0" smtClean="0"/>
               <a:t> </a:t>
             </a:r>
             <a:r>
-              <a:rPr lang="en-US" sz="2600" b="1" dirty="0" err="1" smtClean="0"/>
-              <a:t>CommentLike</a:t>
-            </a:r>
-            <a:r>
-              <a:rPr lang="en-US" sz="2600" dirty="0" smtClean="0"/>
+              <a:rPr lang="en-US" sz="2800" b="1" dirty="0" smtClean="0"/>
+              <a:t>UserGroups</a:t>
+            </a:r>
+            <a:r>
+              <a:rPr lang="en-US" sz="2800" dirty="0" smtClean="0"/>
               <a:t>[</a:t>
             </a:r>
             <a:r>
-              <a:rPr lang="en-US" sz="2600" u="sng" dirty="0" err="1" smtClean="0"/>
-              <a:t>connectionId</a:t>
-            </a:r>
-            <a:r>
-              <a:rPr lang="en-US" sz="2600" dirty="0"/>
+              <a:rPr lang="en-US" sz="2800" u="sng" dirty="0" smtClean="0"/>
+              <a:t>group_id</a:t>
+            </a:r>
+            <a:r>
+              <a:rPr lang="en-US" sz="2800" dirty="0" smtClean="0"/>
+              <a:t>, founder_id, founding_date</a:t>
+            </a:r>
+            <a:r>
+              <a:rPr lang="en-US" sz="2800" dirty="0" smtClean="0"/>
               <a:t>, </a:t>
             </a:r>
             <a:r>
-              <a:rPr lang="en-US" sz="2600" dirty="0" err="1"/>
-              <a:t>userID</a:t>
-            </a:r>
-            <a:r>
-              <a:rPr lang="en-US" sz="2600" dirty="0"/>
-              <a:t>, </a:t>
-            </a:r>
-            <a:r>
-              <a:rPr lang="en-US" sz="2600" dirty="0" err="1" smtClean="0"/>
-              <a:t>commentID</a:t>
-            </a:r>
-            <a:r>
-              <a:rPr lang="en-US" sz="2600" dirty="0" smtClean="0"/>
+              <a:rPr lang="en-US" sz="2800" dirty="0" smtClean="0"/>
+              <a:t>groupname, group_pic_id, </a:t>
+            </a:r>
+            <a:r>
+              <a:rPr lang="en-US" sz="2800" dirty="0" smtClean="0"/>
+              <a:t>about_text</a:t>
+            </a:r>
+            <a:r>
+              <a:rPr lang="en-US" sz="2800" dirty="0" smtClean="0"/>
               <a:t>]</a:t>
             </a:r>
-          </a:p>
-          <a:p>
-            <a:pPr marL="514350" indent="-514350">
-              <a:buFont typeface="+mj-lt"/>
-              <a:buAutoNum type="arabicPeriod"/>
-            </a:pPr>
-            <a:r>
-              <a:rPr lang="en-US" sz="2600" dirty="0" smtClean="0"/>
-              <a:t> </a:t>
-            </a:r>
-            <a:r>
-              <a:rPr lang="en-US" sz="2600" b="1" dirty="0" err="1" smtClean="0"/>
-              <a:t>UserGroups</a:t>
-            </a:r>
-            <a:r>
-              <a:rPr lang="en-US" sz="2600" dirty="0" smtClean="0"/>
-              <a:t>[</a:t>
-            </a:r>
-            <a:r>
-              <a:rPr lang="en-US" sz="2600" u="sng" dirty="0" err="1" smtClean="0"/>
-              <a:t>groupID</a:t>
-            </a:r>
-            <a:r>
-              <a:rPr lang="en-US" sz="2600" dirty="0" smtClean="0"/>
-              <a:t>, </a:t>
-            </a:r>
-            <a:r>
-              <a:rPr lang="en-US" sz="2600" dirty="0" err="1"/>
-              <a:t>userID</a:t>
-            </a:r>
-            <a:r>
-              <a:rPr lang="en-US" sz="2600" dirty="0"/>
-              <a:t>, </a:t>
-            </a:r>
-            <a:r>
-              <a:rPr lang="en-US" sz="2600" dirty="0" err="1" smtClean="0"/>
-              <a:t>joinDate</a:t>
-            </a:r>
-            <a:r>
-              <a:rPr lang="en-US" sz="2600" dirty="0" smtClean="0"/>
-              <a:t>, </a:t>
-            </a:r>
-            <a:r>
-              <a:rPr lang="en-US" sz="2600" dirty="0" err="1" smtClean="0"/>
-              <a:t>groupID</a:t>
-            </a:r>
-            <a:r>
-              <a:rPr lang="en-US" sz="2600" dirty="0" smtClean="0"/>
-              <a:t>]</a:t>
-            </a:r>
-            <a:endParaRPr lang="en-US" sz="2600" dirty="0"/>
+            <a:endParaRPr lang="en-US" sz="2800" dirty="0"/>
           </a:p>
         </p:txBody>
       </p:sp>
@@ -4327,379 +4226,293 @@
           <a:lstStyle/>
           <a:p>
             <a:pPr marL="514350" indent="-514350">
-              <a:buFont typeface="Arial" panose="020B0604020202020204" pitchFamily="34" charset="0"/>
-              <a:buAutoNum type="arabicPeriod" startAt="9"/>
+              <a:buFont typeface="+mj-lt"/>
+              <a:buAutoNum type="arabicPeriod" startAt="8"/>
             </a:pPr>
             <a:r>
-              <a:rPr lang="en-US" sz="2400" dirty="0" smtClean="0"/>
+              <a:rPr lang="en-US" sz="2800" dirty="0" smtClean="0"/>
               <a:t> </a:t>
             </a:r>
             <a:r>
-              <a:rPr lang="en-US" sz="2400" b="1" dirty="0" err="1" smtClean="0"/>
+              <a:rPr lang="en-US" sz="2800" b="1" dirty="0" smtClean="0"/>
               <a:t>GroupComments</a:t>
             </a:r>
             <a:r>
-              <a:rPr lang="en-US" sz="2400" dirty="0" smtClean="0"/>
+              <a:rPr lang="en-US" sz="2800" dirty="0" smtClean="0"/>
               <a:t>[</a:t>
             </a:r>
             <a:r>
-              <a:rPr lang="en-US" sz="2400" u="sng" dirty="0" err="1" smtClean="0"/>
-              <a:t>commentID</a:t>
-            </a:r>
-            <a:r>
-              <a:rPr lang="en-US" sz="2400" dirty="0"/>
-              <a:t>, </a:t>
-            </a:r>
-            <a:r>
-              <a:rPr lang="en-US" sz="2400" dirty="0" err="1"/>
-              <a:t>userID</a:t>
-            </a:r>
-            <a:r>
-              <a:rPr lang="en-US" sz="2400" dirty="0"/>
-              <a:t>, </a:t>
-            </a:r>
-            <a:r>
-              <a:rPr lang="en-US" sz="2400" dirty="0" err="1"/>
-              <a:t>groupID</a:t>
-            </a:r>
-            <a:r>
-              <a:rPr lang="en-US" sz="2400" dirty="0"/>
-              <a:t>, </a:t>
-            </a:r>
-            <a:r>
-              <a:rPr lang="en-US" sz="2400" dirty="0" err="1"/>
-              <a:t>commentText</a:t>
-            </a:r>
-            <a:r>
-              <a:rPr lang="en-US" sz="2400" dirty="0"/>
+              <a:rPr lang="en-US" sz="2800" u="sng" dirty="0" smtClean="0"/>
+              <a:t>comment_id</a:t>
+            </a:r>
+            <a:r>
+              <a:rPr lang="en-US" sz="2800" dirty="0" smtClean="0"/>
+              <a:t>, user_id, group_id, comment_text</a:t>
+            </a:r>
+            <a:r>
+              <a:rPr lang="en-US" sz="2800" dirty="0"/>
               <a:t>]</a:t>
             </a:r>
           </a:p>
           <a:p>
             <a:pPr marL="514350" indent="-514350">
               <a:buFont typeface="Arial" panose="020B0604020202020204" pitchFamily="34" charset="0"/>
-              <a:buAutoNum type="arabicPeriod" startAt="9"/>
+              <a:buAutoNum type="arabicPeriod" startAt="8"/>
             </a:pPr>
             <a:r>
-              <a:rPr lang="en-US" sz="2400" dirty="0" smtClean="0"/>
+              <a:rPr lang="en-US" sz="2800" dirty="0" smtClean="0"/>
               <a:t> </a:t>
             </a:r>
             <a:r>
-              <a:rPr lang="en-US" sz="2400" b="1" dirty="0" err="1" smtClean="0"/>
+              <a:rPr lang="en-US" sz="2800" b="1" dirty="0" smtClean="0"/>
               <a:t>GroupMembers</a:t>
             </a:r>
             <a:r>
-              <a:rPr lang="en-US" sz="2400" dirty="0" smtClean="0"/>
-              <a:t>[</a:t>
-            </a:r>
-            <a:r>
-              <a:rPr lang="en-US" sz="2400" u="sng" dirty="0" err="1" smtClean="0"/>
-              <a:t>groupMemberID</a:t>
-            </a:r>
-            <a:r>
-              <a:rPr lang="en-US" sz="2400" dirty="0"/>
+              <a:rPr lang="en-US" sz="2800" dirty="0" smtClean="0"/>
+              <a:t>[joindate, </a:t>
+            </a:r>
+            <a:r>
+              <a:rPr lang="en-US" sz="2800" u="sng" dirty="0" smtClean="0"/>
+              <a:t>group_id</a:t>
+            </a:r>
+            <a:r>
+              <a:rPr lang="en-US" sz="2800" dirty="0" smtClean="0"/>
               <a:t>, </a:t>
             </a:r>
             <a:r>
-              <a:rPr lang="en-US" sz="2400" dirty="0" err="1" smtClean="0"/>
-              <a:t>joinDate</a:t>
-            </a:r>
-            <a:r>
-              <a:rPr lang="en-US" sz="2400" dirty="0" smtClean="0"/>
-              <a:t>, </a:t>
-            </a:r>
-            <a:r>
-              <a:rPr lang="en-US" sz="2400" dirty="0" err="1" smtClean="0"/>
-              <a:t>groupID</a:t>
-            </a:r>
-            <a:r>
-              <a:rPr lang="en-US" sz="2400" dirty="0" smtClean="0"/>
+              <a:rPr lang="en-US" sz="2800" u="sng" dirty="0" smtClean="0"/>
+              <a:t>user_id</a:t>
+            </a:r>
+            <a:r>
+              <a:rPr lang="en-US" sz="2800" dirty="0" smtClean="0"/>
               <a:t>]</a:t>
             </a:r>
-            <a:endParaRPr lang="en-US" sz="2400" dirty="0"/>
+            <a:endParaRPr lang="en-US" sz="2800" dirty="0"/>
           </a:p>
           <a:p>
             <a:pPr marL="514350" indent="-514350">
               <a:buFont typeface="Arial" panose="020B0604020202020204" pitchFamily="34" charset="0"/>
-              <a:buAutoNum type="arabicPeriod" startAt="9"/>
+              <a:buAutoNum type="arabicPeriod" startAt="8"/>
             </a:pPr>
             <a:r>
-              <a:rPr lang="en-US" sz="2400" dirty="0" smtClean="0"/>
+              <a:rPr lang="en-US" sz="2800" dirty="0" smtClean="0"/>
               <a:t> </a:t>
             </a:r>
             <a:r>
-              <a:rPr lang="en-US" sz="2400" b="1" dirty="0" err="1" smtClean="0"/>
+              <a:rPr lang="en-US" sz="2800" b="1" dirty="0" smtClean="0"/>
               <a:t>GroupCommentLike</a:t>
             </a:r>
             <a:r>
-              <a:rPr lang="en-US" sz="2400" dirty="0" smtClean="0"/>
+              <a:rPr lang="en-US" sz="2800" dirty="0" smtClean="0"/>
               <a:t>[</a:t>
             </a:r>
             <a:r>
-              <a:rPr lang="en-US" sz="2400" u="sng" dirty="0" err="1" smtClean="0"/>
-              <a:t>groupCommentLikeID</a:t>
-            </a:r>
-            <a:r>
-              <a:rPr lang="en-US" sz="2400" dirty="0"/>
+              <a:rPr lang="en-US" sz="2800" u="sng" dirty="0" smtClean="0"/>
+              <a:t>user_id</a:t>
+            </a:r>
+            <a:r>
+              <a:rPr lang="en-US" sz="2800" dirty="0" smtClean="0"/>
               <a:t>, </a:t>
             </a:r>
             <a:r>
-              <a:rPr lang="en-US" sz="2400" dirty="0" err="1"/>
-              <a:t>userID</a:t>
-            </a:r>
-            <a:r>
-              <a:rPr lang="en-US" sz="2400" dirty="0"/>
-              <a:t>, </a:t>
-            </a:r>
-            <a:r>
-              <a:rPr lang="en-US" sz="2400" dirty="0" err="1" smtClean="0"/>
-              <a:t>groupCommentID</a:t>
-            </a:r>
-            <a:r>
-              <a:rPr lang="en-US" sz="2400" dirty="0"/>
+              <a:rPr lang="en-US" sz="2800" u="sng" dirty="0" smtClean="0"/>
+              <a:t>group_Comment_id</a:t>
+            </a:r>
+            <a:r>
+              <a:rPr lang="en-US" sz="2800" dirty="0" smtClean="0"/>
               <a:t>]</a:t>
             </a:r>
+            <a:endParaRPr lang="en-US" sz="2800" dirty="0"/>
           </a:p>
           <a:p>
             <a:pPr marL="514350" indent="-514350">
               <a:buFont typeface="Arial" panose="020B0604020202020204" pitchFamily="34" charset="0"/>
-              <a:buAutoNum type="arabicPeriod" startAt="9"/>
+              <a:buAutoNum type="arabicPeriod" startAt="8"/>
             </a:pPr>
             <a:r>
-              <a:rPr lang="en-US" sz="2400" dirty="0" smtClean="0"/>
+              <a:rPr lang="en-US" sz="2800" dirty="0" smtClean="0"/>
               <a:t> </a:t>
             </a:r>
             <a:r>
-              <a:rPr lang="en-US" sz="2400" b="1" dirty="0" smtClean="0"/>
+              <a:rPr lang="en-US" sz="2800" b="1" dirty="0" smtClean="0"/>
               <a:t>Events</a:t>
             </a:r>
             <a:r>
-              <a:rPr lang="en-US" sz="2400" dirty="0" smtClean="0"/>
+              <a:rPr lang="en-US" sz="2800" dirty="0" smtClean="0"/>
               <a:t>[</a:t>
             </a:r>
             <a:r>
-              <a:rPr lang="en-US" sz="2400" u="sng" dirty="0" err="1" smtClean="0"/>
-              <a:t>eventID</a:t>
-            </a:r>
-            <a:r>
-              <a:rPr lang="en-US" sz="2400" dirty="0" smtClean="0"/>
+              <a:rPr lang="en-US" sz="2800" u="sng" dirty="0" err="1" smtClean="0"/>
+              <a:t>event_id</a:t>
+            </a:r>
+            <a:r>
+              <a:rPr lang="en-US" sz="2800" dirty="0" smtClean="0"/>
               <a:t>, </a:t>
             </a:r>
             <a:r>
-              <a:rPr lang="en-US" sz="2400" dirty="0" err="1" smtClean="0"/>
-              <a:t>eventDate</a:t>
-            </a:r>
-            <a:r>
-              <a:rPr lang="en-US" sz="2400" dirty="0"/>
+              <a:rPr lang="en-US" sz="2800" dirty="0" err="1" smtClean="0"/>
+              <a:t>eventdate</a:t>
+            </a:r>
+            <a:r>
+              <a:rPr lang="en-US" sz="2800" dirty="0"/>
               <a:t>, </a:t>
             </a:r>
             <a:r>
-              <a:rPr lang="en-US" sz="2400" dirty="0" err="1" smtClean="0"/>
-              <a:t>eventName</a:t>
-            </a:r>
-            <a:r>
-              <a:rPr lang="en-US" sz="2400" dirty="0" smtClean="0"/>
+              <a:rPr lang="en-US" sz="2800" dirty="0" err="1" smtClean="0"/>
+              <a:t>eventname</a:t>
+            </a:r>
+            <a:r>
+              <a:rPr lang="en-US" sz="2800" dirty="0" smtClean="0"/>
               <a:t>, </a:t>
             </a:r>
             <a:r>
-              <a:rPr lang="en-US" sz="2400" dirty="0" err="1" smtClean="0"/>
-              <a:t>userID</a:t>
-            </a:r>
-            <a:r>
-              <a:rPr lang="en-US" sz="2400" dirty="0" smtClean="0"/>
+              <a:rPr lang="en-US" sz="2800" dirty="0" err="1" smtClean="0"/>
+              <a:t>host_id</a:t>
+            </a:r>
+            <a:r>
+              <a:rPr lang="en-US" sz="2800" dirty="0" smtClean="0"/>
               <a:t>, </a:t>
             </a:r>
             <a:r>
-              <a:rPr lang="en-US" sz="2400" dirty="0" err="1" smtClean="0"/>
-              <a:t>profilepicID</a:t>
-            </a:r>
-            <a:r>
-              <a:rPr lang="en-US" sz="2400" dirty="0" smtClean="0"/>
+              <a:rPr lang="en-US" sz="2800" dirty="0" err="1" smtClean="0"/>
+              <a:t>event_pic_id</a:t>
+            </a:r>
+            <a:r>
+              <a:rPr lang="en-US" sz="2800" dirty="0" smtClean="0"/>
               <a:t>]</a:t>
             </a:r>
-            <a:endParaRPr lang="en-US" sz="2400" dirty="0"/>
+            <a:endParaRPr lang="en-US" sz="2800" dirty="0"/>
           </a:p>
           <a:p>
             <a:pPr marL="514350" indent="-514350">
               <a:buFont typeface="Arial" panose="020B0604020202020204" pitchFamily="34" charset="0"/>
-              <a:buAutoNum type="arabicPeriod" startAt="9"/>
+              <a:buAutoNum type="arabicPeriod" startAt="8"/>
             </a:pPr>
             <a:r>
-              <a:rPr lang="en-US" sz="2400" dirty="0" smtClean="0"/>
+              <a:rPr lang="en-US" sz="2800" dirty="0" smtClean="0"/>
               <a:t> </a:t>
             </a:r>
             <a:r>
-              <a:rPr lang="en-US" sz="2400" b="1" dirty="0" err="1" smtClean="0"/>
+              <a:rPr lang="en-US" sz="2800" b="1" dirty="0" smtClean="0"/>
               <a:t>EventComments</a:t>
             </a:r>
             <a:r>
-              <a:rPr lang="en-US" sz="2400" dirty="0" smtClean="0"/>
+              <a:rPr lang="en-US" sz="2800" dirty="0" smtClean="0"/>
               <a:t>[</a:t>
             </a:r>
             <a:r>
-              <a:rPr lang="en-US" sz="2400" u="sng" dirty="0" err="1" smtClean="0"/>
-              <a:t>commentID</a:t>
-            </a:r>
-            <a:r>
-              <a:rPr lang="en-US" sz="2400" dirty="0"/>
-              <a:t>, </a:t>
-            </a:r>
-            <a:r>
-              <a:rPr lang="en-US" sz="2400" dirty="0" err="1"/>
-              <a:t>userID</a:t>
-            </a:r>
-            <a:r>
-              <a:rPr lang="en-US" sz="2400" dirty="0"/>
-              <a:t>, </a:t>
-            </a:r>
-            <a:r>
-              <a:rPr lang="en-US" sz="2400" dirty="0" err="1" smtClean="0"/>
-              <a:t>eventID</a:t>
-            </a:r>
-            <a:r>
-              <a:rPr lang="en-US" sz="2400" dirty="0"/>
-              <a:t>, </a:t>
-            </a:r>
-            <a:r>
-              <a:rPr lang="en-US" sz="2400" dirty="0" err="1"/>
-              <a:t>commentText</a:t>
-            </a:r>
-            <a:r>
-              <a:rPr lang="en-US" sz="2400" dirty="0"/>
+              <a:rPr lang="en-US" sz="2800" u="sng" dirty="0" smtClean="0"/>
+              <a:t>comment_id</a:t>
+            </a:r>
+            <a:r>
+              <a:rPr lang="en-US" sz="2800" dirty="0" smtClean="0"/>
+              <a:t>, user_id, </a:t>
+            </a:r>
+            <a:r>
+              <a:rPr lang="en-US" sz="2800" dirty="0" err="1" smtClean="0"/>
+              <a:t>event_id</a:t>
+            </a:r>
+            <a:r>
+              <a:rPr lang="en-US" sz="2800" dirty="0" smtClean="0"/>
+              <a:t>, comment_text</a:t>
+            </a:r>
+            <a:r>
+              <a:rPr lang="en-US" sz="2800" dirty="0"/>
               <a:t>]</a:t>
             </a:r>
           </a:p>
           <a:p>
             <a:pPr marL="514350" indent="-514350">
               <a:buFont typeface="Arial" panose="020B0604020202020204" pitchFamily="34" charset="0"/>
-              <a:buAutoNum type="arabicPeriod" startAt="9"/>
+              <a:buAutoNum type="arabicPeriod" startAt="8"/>
             </a:pPr>
             <a:r>
-              <a:rPr lang="en-US" sz="2400" dirty="0" smtClean="0"/>
+              <a:rPr lang="en-US" sz="2800" dirty="0" smtClean="0"/>
               <a:t> </a:t>
             </a:r>
             <a:r>
-              <a:rPr lang="en-US" sz="2400" b="1" dirty="0" err="1" smtClean="0"/>
+              <a:rPr lang="en-US" sz="2800" b="1" dirty="0" smtClean="0"/>
               <a:t>EventMembers</a:t>
             </a:r>
             <a:r>
-              <a:rPr lang="en-US" sz="2400" dirty="0" smtClean="0"/>
-              <a:t>[</a:t>
-            </a:r>
-            <a:r>
-              <a:rPr lang="en-US" sz="2400" u="sng" dirty="0" err="1" smtClean="0"/>
-              <a:t>eventMemberID</a:t>
-            </a:r>
-            <a:r>
-              <a:rPr lang="en-US" sz="2400" dirty="0"/>
+              <a:rPr lang="en-US" sz="2800" dirty="0" smtClean="0"/>
+              <a:t>[joindate, </a:t>
+            </a:r>
+            <a:r>
+              <a:rPr lang="en-US" sz="2800" u="sng" dirty="0" err="1" smtClean="0"/>
+              <a:t>event_id</a:t>
+            </a:r>
+            <a:r>
+              <a:rPr lang="en-US" sz="2800" dirty="0" smtClean="0"/>
               <a:t>, </a:t>
             </a:r>
             <a:r>
-              <a:rPr lang="en-US" sz="2400" dirty="0" err="1" smtClean="0"/>
-              <a:t>joinDate</a:t>
-            </a:r>
-            <a:r>
-              <a:rPr lang="en-US" sz="2400" dirty="0" smtClean="0"/>
-              <a:t>, </a:t>
-            </a:r>
-            <a:r>
-              <a:rPr lang="en-US" sz="2400" dirty="0" err="1" smtClean="0"/>
-              <a:t>eventID</a:t>
-            </a:r>
-            <a:r>
-              <a:rPr lang="en-US" sz="2400" dirty="0" smtClean="0"/>
+              <a:rPr lang="en-US" sz="2800" u="sng" dirty="0" smtClean="0"/>
+              <a:t>user_id</a:t>
+            </a:r>
+            <a:r>
+              <a:rPr lang="en-US" sz="2800" dirty="0" smtClean="0"/>
               <a:t>]</a:t>
             </a:r>
-            <a:endParaRPr lang="en-US" sz="2400" dirty="0"/>
+            <a:endParaRPr lang="en-US" sz="2800" dirty="0"/>
           </a:p>
           <a:p>
             <a:pPr marL="514350" indent="-514350">
               <a:buFont typeface="Arial" panose="020B0604020202020204" pitchFamily="34" charset="0"/>
-              <a:buAutoNum type="arabicPeriod" startAt="9"/>
+              <a:buAutoNum type="arabicPeriod" startAt="8"/>
             </a:pPr>
             <a:r>
-              <a:rPr lang="en-US" sz="2400" dirty="0" smtClean="0"/>
+              <a:rPr lang="en-US" sz="2800" dirty="0" smtClean="0"/>
               <a:t> </a:t>
             </a:r>
             <a:r>
-              <a:rPr lang="en-US" sz="2400" b="1" dirty="0" err="1" smtClean="0"/>
+              <a:rPr lang="en-US" sz="2800" b="1" dirty="0" smtClean="0"/>
               <a:t>EventCommentLike</a:t>
             </a:r>
             <a:r>
-              <a:rPr lang="en-US" sz="2400" dirty="0" smtClean="0"/>
-              <a:t>[</a:t>
-            </a:r>
-            <a:r>
-              <a:rPr lang="en-US" sz="2400" u="sng" dirty="0" err="1" smtClean="0"/>
-              <a:t>eventCommentID</a:t>
-            </a:r>
-            <a:r>
-              <a:rPr lang="en-US" sz="2400" dirty="0"/>
-              <a:t>, </a:t>
-            </a:r>
-            <a:r>
-              <a:rPr lang="en-US" sz="2400" dirty="0" err="1"/>
-              <a:t>userID</a:t>
-            </a:r>
-            <a:r>
-              <a:rPr lang="en-US" sz="2400" dirty="0"/>
-              <a:t>, </a:t>
-            </a:r>
-            <a:r>
-              <a:rPr lang="en-US" sz="2400" dirty="0" err="1" smtClean="0"/>
-              <a:t>eventCommentID</a:t>
-            </a:r>
-            <a:r>
-              <a:rPr lang="en-US" sz="2400" dirty="0" smtClean="0"/>
-              <a:t>]</a:t>
-            </a:r>
+              <a:rPr lang="en-US" sz="2800" dirty="0" smtClean="0"/>
+              <a:t>[user_id, comment_id]</a:t>
+            </a:r>
+            <a:endParaRPr lang="en-US" sz="2800" dirty="0" smtClean="0"/>
           </a:p>
           <a:p>
             <a:pPr marL="514350" indent="-514350">
               <a:buFont typeface="Arial" panose="020B0604020202020204" pitchFamily="34" charset="0"/>
-              <a:buAutoNum type="arabicPeriod" startAt="9"/>
+              <a:buAutoNum type="arabicPeriod" startAt="8"/>
             </a:pPr>
             <a:r>
-              <a:rPr lang="en-US" sz="2400" dirty="0" smtClean="0"/>
+              <a:rPr lang="en-US" sz="2800" dirty="0" smtClean="0"/>
               <a:t> </a:t>
             </a:r>
             <a:r>
-              <a:rPr lang="en-US" sz="2400" b="1" dirty="0" err="1" smtClean="0"/>
-              <a:t>PhotoAlbums</a:t>
-            </a:r>
-            <a:r>
-              <a:rPr lang="en-US" sz="2400" b="1" dirty="0" smtClean="0"/>
-              <a:t> </a:t>
-            </a:r>
-            <a:r>
-              <a:rPr lang="en-US" sz="2400" dirty="0" smtClean="0"/>
+              <a:rPr lang="en-US" sz="2800" b="1" dirty="0" smtClean="0"/>
+              <a:t>PhotoAlbums </a:t>
+            </a:r>
+            <a:r>
+              <a:rPr lang="en-US" sz="2800" dirty="0" smtClean="0"/>
               <a:t>[</a:t>
             </a:r>
             <a:r>
-              <a:rPr lang="en-US" sz="2400" u="sng" dirty="0" err="1" smtClean="0"/>
-              <a:t>albumID</a:t>
-            </a:r>
-            <a:r>
-              <a:rPr lang="en-US" sz="2400" dirty="0"/>
+              <a:rPr lang="en-US" sz="2800" u="sng" dirty="0" smtClean="0"/>
+              <a:t>album_id</a:t>
+            </a:r>
+            <a:r>
+              <a:rPr lang="en-US" sz="2800" dirty="0" smtClean="0"/>
+              <a:t>, owner_id, </a:t>
+            </a:r>
+            <a:r>
+              <a:rPr lang="en-US" sz="2800" dirty="0" err="1" smtClean="0"/>
+              <a:t>albumname</a:t>
+            </a:r>
+            <a:r>
+              <a:rPr lang="en-US" sz="2800" dirty="0" smtClean="0"/>
               <a:t>, </a:t>
             </a:r>
             <a:r>
-              <a:rPr lang="en-US" sz="2400" dirty="0" err="1"/>
-              <a:t>userID</a:t>
-            </a:r>
-            <a:r>
-              <a:rPr lang="en-US" sz="2400" dirty="0"/>
-              <a:t>, </a:t>
-            </a:r>
-            <a:r>
-              <a:rPr lang="en-US" sz="2400" dirty="0" err="1" smtClean="0"/>
-              <a:t>albumName</a:t>
-            </a:r>
-            <a:r>
-              <a:rPr lang="en-US" sz="2400" dirty="0" smtClean="0"/>
-              <a:t>, description]</a:t>
-            </a:r>
-            <a:endParaRPr lang="en-US" sz="2400" dirty="0"/>
+              <a:rPr lang="en-US" sz="2800" dirty="0" smtClean="0"/>
+              <a:t>description]</a:t>
+            </a:r>
+            <a:endParaRPr lang="en-US" sz="2800" dirty="0"/>
           </a:p>
         </p:txBody>
       </p:sp>

--- a/Minibase/FinalProject/FinalPresentation.pptx
+++ b/Minibase/FinalProject/FinalPresentation.pptx
@@ -3353,7 +3353,7 @@
         </p:spPr>
         <p:txBody>
           <a:bodyPr vert="horz" lIns="91440" tIns="45720" rIns="91440" bIns="45720" rtlCol="0">
-            <a:normAutofit/>
+            <a:normAutofit fontScale="32500" lnSpcReduction="20000"/>
           </a:bodyPr>
           <a:lstStyle>
             <a:lvl1pPr marL="342900" indent="-342900" algn="l" defTabSz="914400" rtl="0" eaLnBrk="1" latinLnBrk="0" hangingPunct="1">
@@ -3493,9 +3493,404 @@
             </a:lvl9pPr>
           </a:lstStyle>
           <a:p>
+            <a:endParaRPr lang="en-US" dirty="0"/>
+          </a:p>
+          <a:p>
+            <a:endParaRPr lang="en-US" dirty="0" smtClean="0"/>
+          </a:p>
+          <a:p>
+            <a:endParaRPr lang="en-US" dirty="0"/>
+          </a:p>
+          <a:p>
+            <a:endParaRPr lang="en-US" dirty="0" smtClean="0"/>
+          </a:p>
+          <a:p>
+            <a:endParaRPr lang="en-US" dirty="0" smtClean="0"/>
+          </a:p>
+          <a:p>
+            <a:endParaRPr lang="en-US" dirty="0"/>
+          </a:p>
+          <a:p>
+            <a:endParaRPr lang="en-US" dirty="0" smtClean="0"/>
+          </a:p>
+          <a:p>
+            <a:endParaRPr lang="en-US" dirty="0" smtClean="0"/>
+          </a:p>
+          <a:p>
+            <a:endParaRPr lang="en-US" dirty="0"/>
+          </a:p>
+          <a:p>
+            <a:endParaRPr lang="en-US" dirty="0" smtClean="0"/>
+          </a:p>
+          <a:p>
+            <a:endParaRPr lang="en-US" dirty="0"/>
+          </a:p>
+          <a:p>
+            <a:endParaRPr lang="en-US" dirty="0" smtClean="0"/>
+          </a:p>
+          <a:p>
+            <a:endParaRPr lang="en-US" dirty="0"/>
+          </a:p>
+          <a:p>
+            <a:endParaRPr lang="en-US" dirty="0" smtClean="0"/>
+          </a:p>
+          <a:p>
+            <a:pPr marL="0" indent="0">
+              <a:buNone/>
+            </a:pPr>
             <a:r>
               <a:rPr lang="en-US" dirty="0" smtClean="0"/>
-              <a:t>…….</a:t>
+              <a:t>In our initial schema we had the following tables:</a:t>
+            </a:r>
+            <a:endParaRPr lang="en-US" dirty="0" smtClean="0"/>
+          </a:p>
+          <a:p>
+            <a:endParaRPr lang="en-US" dirty="0" smtClean="0"/>
+          </a:p>
+          <a:p>
+            <a:pPr marL="514350" lvl="0" indent="-514350">
+              <a:buFont typeface="+mj-lt"/>
+              <a:buAutoNum type="arabicPeriod"/>
+            </a:pPr>
+            <a:r>
+              <a:rPr lang="en-US" b="1" dirty="0" err="1"/>
+              <a:t>GroupCommentLike</a:t>
+            </a:r>
+            <a:r>
+              <a:rPr lang="en-US" dirty="0"/>
+              <a:t>[</a:t>
+            </a:r>
+            <a:r>
+              <a:rPr lang="en-US" u="sng" dirty="0" err="1"/>
+              <a:t>user_id</a:t>
+            </a:r>
+            <a:r>
+              <a:rPr lang="en-US" dirty="0"/>
+              <a:t>, </a:t>
+            </a:r>
+            <a:r>
+              <a:rPr lang="en-US" u="sng" dirty="0" err="1"/>
+              <a:t>group_Comment_id</a:t>
+            </a:r>
+            <a:r>
+              <a:rPr lang="en-US" dirty="0"/>
+              <a:t>, </a:t>
+            </a:r>
+            <a:r>
+              <a:rPr lang="en-US" dirty="0" err="1"/>
+              <a:t>group_id</a:t>
+            </a:r>
+            <a:r>
+              <a:rPr lang="en-US" dirty="0"/>
+              <a:t>]</a:t>
+            </a:r>
+          </a:p>
+          <a:p>
+            <a:pPr marL="514350" lvl="0" indent="-514350">
+              <a:buFont typeface="+mj-lt"/>
+              <a:buAutoNum type="arabicPeriod"/>
+            </a:pPr>
+            <a:r>
+              <a:rPr lang="en-US" b="1" dirty="0" err="1"/>
+              <a:t>UserGroups</a:t>
+            </a:r>
+            <a:r>
+              <a:rPr lang="en-US" dirty="0"/>
+              <a:t>[</a:t>
+            </a:r>
+            <a:r>
+              <a:rPr lang="en-US" u="sng" dirty="0" err="1"/>
+              <a:t>group_id</a:t>
+            </a:r>
+            <a:r>
+              <a:rPr lang="en-US" dirty="0"/>
+              <a:t>, </a:t>
+            </a:r>
+            <a:r>
+              <a:rPr lang="en-US" dirty="0" err="1"/>
+              <a:t>founder_id</a:t>
+            </a:r>
+            <a:r>
+              <a:rPr lang="en-US" dirty="0"/>
+              <a:t>, </a:t>
+            </a:r>
+            <a:r>
+              <a:rPr lang="en-US" dirty="0" err="1"/>
+              <a:t>founding_date</a:t>
+            </a:r>
+            <a:r>
+              <a:rPr lang="en-US" dirty="0"/>
+              <a:t>, </a:t>
+            </a:r>
+            <a:r>
+              <a:rPr lang="en-US" dirty="0" err="1"/>
+              <a:t>groupname</a:t>
+            </a:r>
+            <a:r>
+              <a:rPr lang="en-US" dirty="0"/>
+              <a:t>, </a:t>
+            </a:r>
+            <a:r>
+              <a:rPr lang="en-US" dirty="0" err="1"/>
+              <a:t>group_pic_id</a:t>
+            </a:r>
+            <a:r>
+              <a:rPr lang="en-US" dirty="0"/>
+              <a:t>, </a:t>
+            </a:r>
+            <a:r>
+              <a:rPr lang="en-US" dirty="0" err="1"/>
+              <a:t>about_text</a:t>
+            </a:r>
+            <a:r>
+              <a:rPr lang="en-US" dirty="0"/>
+              <a:t>]</a:t>
+            </a:r>
+          </a:p>
+          <a:p>
+            <a:pPr marL="514350" lvl="0" indent="-514350">
+              <a:buFont typeface="+mj-lt"/>
+              <a:buAutoNum type="arabicPeriod"/>
+            </a:pPr>
+            <a:r>
+              <a:rPr lang="en-US" b="1" dirty="0" err="1"/>
+              <a:t>GroupComments</a:t>
+            </a:r>
+            <a:r>
+              <a:rPr lang="en-US" dirty="0"/>
+              <a:t>[</a:t>
+            </a:r>
+            <a:r>
+              <a:rPr lang="en-US" u="sng" dirty="0" err="1"/>
+              <a:t>comment_id</a:t>
+            </a:r>
+            <a:r>
+              <a:rPr lang="en-US" dirty="0"/>
+              <a:t>, </a:t>
+            </a:r>
+            <a:r>
+              <a:rPr lang="en-US" dirty="0" err="1"/>
+              <a:t>user_id</a:t>
+            </a:r>
+            <a:r>
+              <a:rPr lang="en-US" dirty="0"/>
+              <a:t>, </a:t>
+            </a:r>
+            <a:r>
+              <a:rPr lang="en-US" dirty="0" err="1"/>
+              <a:t>group_id</a:t>
+            </a:r>
+            <a:r>
+              <a:rPr lang="en-US" dirty="0"/>
+              <a:t>, </a:t>
+            </a:r>
+            <a:r>
+              <a:rPr lang="en-US" dirty="0" err="1"/>
+              <a:t>comment_text</a:t>
+            </a:r>
+            <a:r>
+              <a:rPr lang="en-US" dirty="0"/>
+              <a:t>]</a:t>
+            </a:r>
+          </a:p>
+          <a:p>
+            <a:pPr marL="514350" lvl="0" indent="-514350">
+              <a:buFont typeface="+mj-lt"/>
+              <a:buAutoNum type="arabicPeriod"/>
+            </a:pPr>
+            <a:r>
+              <a:rPr lang="en-US" b="1" dirty="0" err="1"/>
+              <a:t>EventCommentLike</a:t>
+            </a:r>
+            <a:r>
+              <a:rPr lang="en-US" dirty="0"/>
+              <a:t>[</a:t>
+            </a:r>
+            <a:r>
+              <a:rPr lang="en-US" dirty="0" err="1"/>
+              <a:t>user_id</a:t>
+            </a:r>
+            <a:r>
+              <a:rPr lang="en-US" dirty="0"/>
+              <a:t>, </a:t>
+            </a:r>
+            <a:r>
+              <a:rPr lang="en-US" dirty="0" err="1"/>
+              <a:t>comment_id</a:t>
+            </a:r>
+            <a:r>
+              <a:rPr lang="en-US" dirty="0"/>
+              <a:t>, </a:t>
+            </a:r>
+            <a:r>
+              <a:rPr lang="en-US" dirty="0" err="1"/>
+              <a:t>event_id</a:t>
+            </a:r>
+            <a:r>
+              <a:rPr lang="en-US" dirty="0"/>
+              <a:t>]</a:t>
+            </a:r>
+          </a:p>
+          <a:p>
+            <a:pPr marL="514350" lvl="0" indent="-514350">
+              <a:buFont typeface="+mj-lt"/>
+              <a:buAutoNum type="arabicPeriod"/>
+            </a:pPr>
+            <a:r>
+              <a:rPr lang="en-US" b="1" dirty="0"/>
+              <a:t>Events</a:t>
+            </a:r>
+            <a:r>
+              <a:rPr lang="en-US" dirty="0"/>
+              <a:t>[</a:t>
+            </a:r>
+            <a:r>
+              <a:rPr lang="en-US" u="sng" dirty="0" err="1"/>
+              <a:t>event_id</a:t>
+            </a:r>
+            <a:r>
+              <a:rPr lang="en-US" dirty="0"/>
+              <a:t>, </a:t>
+            </a:r>
+            <a:r>
+              <a:rPr lang="en-US" dirty="0" err="1"/>
+              <a:t>eventdate</a:t>
+            </a:r>
+            <a:r>
+              <a:rPr lang="en-US" dirty="0"/>
+              <a:t>, </a:t>
+            </a:r>
+            <a:r>
+              <a:rPr lang="en-US" dirty="0" err="1"/>
+              <a:t>eventname</a:t>
+            </a:r>
+            <a:r>
+              <a:rPr lang="en-US" dirty="0"/>
+              <a:t>, </a:t>
+            </a:r>
+            <a:r>
+              <a:rPr lang="en-US" dirty="0" err="1"/>
+              <a:t>host_id</a:t>
+            </a:r>
+            <a:r>
+              <a:rPr lang="en-US" dirty="0"/>
+              <a:t>, </a:t>
+            </a:r>
+            <a:r>
+              <a:rPr lang="en-US" dirty="0" err="1"/>
+              <a:t>event_pic_id</a:t>
+            </a:r>
+            <a:r>
+              <a:rPr lang="en-US" dirty="0"/>
+              <a:t>]</a:t>
+            </a:r>
+          </a:p>
+          <a:p>
+            <a:pPr marL="514350" lvl="0" indent="-514350">
+              <a:buFont typeface="+mj-lt"/>
+              <a:buAutoNum type="arabicPeriod"/>
+            </a:pPr>
+            <a:r>
+              <a:rPr lang="en-US" b="1" dirty="0" err="1" smtClean="0"/>
+              <a:t>EventComments</a:t>
+            </a:r>
+            <a:r>
+              <a:rPr lang="en-US" dirty="0" smtClean="0"/>
+              <a:t>[</a:t>
+            </a:r>
+            <a:r>
+              <a:rPr lang="en-US" u="sng" dirty="0" err="1" smtClean="0"/>
+              <a:t>comment_id</a:t>
+            </a:r>
+            <a:r>
+              <a:rPr lang="en-US" dirty="0" smtClean="0"/>
+              <a:t>, </a:t>
+            </a:r>
+            <a:r>
+              <a:rPr lang="en-US" dirty="0" err="1" smtClean="0"/>
+              <a:t>user_id</a:t>
+            </a:r>
+            <a:r>
+              <a:rPr lang="en-US" dirty="0" smtClean="0"/>
+              <a:t>, </a:t>
+            </a:r>
+            <a:r>
+              <a:rPr lang="en-US" dirty="0" err="1" smtClean="0"/>
+              <a:t>event_id</a:t>
+            </a:r>
+            <a:r>
+              <a:rPr lang="en-US" dirty="0" smtClean="0"/>
+              <a:t>, </a:t>
+            </a:r>
+            <a:r>
+              <a:rPr lang="en-US" dirty="0" err="1" smtClean="0"/>
+              <a:t>comment_text</a:t>
+            </a:r>
+            <a:r>
+              <a:rPr lang="en-US" dirty="0" smtClean="0"/>
+              <a:t>]</a:t>
+            </a:r>
+          </a:p>
+          <a:p>
+            <a:pPr marL="514350" lvl="0" indent="-514350">
+              <a:buFont typeface="+mj-lt"/>
+              <a:buAutoNum type="arabicPeriod"/>
+            </a:pPr>
+            <a:endParaRPr lang="en-US" dirty="0" smtClean="0"/>
+          </a:p>
+          <a:p>
+            <a:pPr marL="514350" lvl="0" indent="-514350">
+              <a:buFont typeface="+mj-lt"/>
+              <a:buAutoNum type="arabicPeriod"/>
+            </a:pPr>
+            <a:endParaRPr lang="en-US" dirty="0" smtClean="0"/>
+          </a:p>
+          <a:p>
+            <a:pPr marL="0" indent="0">
+              <a:buNone/>
+            </a:pPr>
+            <a:r>
+              <a:rPr lang="en-US" dirty="0" smtClean="0"/>
+              <a:t>In </a:t>
+            </a:r>
+            <a:r>
+              <a:rPr lang="en-US" dirty="0"/>
+              <a:t>table 1, </a:t>
+            </a:r>
+            <a:r>
+              <a:rPr lang="en-US" dirty="0" err="1"/>
+              <a:t>group_comment_id</a:t>
+            </a:r>
+            <a:r>
+              <a:rPr lang="en-US" dirty="0"/>
+              <a:t> is dependent on </a:t>
+            </a:r>
+            <a:r>
+              <a:rPr lang="en-US" dirty="0" err="1"/>
+              <a:t>group_id</a:t>
+            </a:r>
+            <a:r>
+              <a:rPr lang="en-US" dirty="0"/>
+              <a:t>, since the group ID can be derived from the group comment ID. The same thing is valid for table 4 with the event ID.</a:t>
+            </a:r>
+          </a:p>
+          <a:p>
+            <a:pPr marL="0" indent="0">
+              <a:buNone/>
+            </a:pPr>
+            <a:endParaRPr lang="en-US" dirty="0"/>
+          </a:p>
+          <a:p>
+            <a:pPr marL="0" indent="0">
+              <a:buNone/>
+            </a:pPr>
+            <a:r>
+              <a:rPr lang="en-US" dirty="0"/>
+              <a:t>As a solution, we completely removed the group ID because it carried redundant data that was already included in the group comment ID</a:t>
+            </a:r>
+            <a:r>
+              <a:rPr lang="en-US" dirty="0" smtClean="0"/>
+              <a:t>.</a:t>
             </a:r>
             <a:endParaRPr lang="en-US" dirty="0"/>
           </a:p>
@@ -3928,11 +4323,7 @@
             </a:r>
             <a:r>
               <a:rPr lang="en-US" sz="2800" dirty="0" smtClean="0"/>
-              <a:t>, </a:t>
-            </a:r>
-            <a:r>
-              <a:rPr lang="en-US" sz="2800" dirty="0" smtClean="0"/>
-              <a:t>joindate, username, password, profile_pic_id]</a:t>
+              <a:t>, joindate, username, password, profile_pic_id]</a:t>
             </a:r>
           </a:p>
           <a:p>
@@ -3992,19 +4383,7 @@
             </a:r>
             <a:r>
               <a:rPr lang="en-US" sz="2800" dirty="0" smtClean="0"/>
-              <a:t>, uploaddate</a:t>
-            </a:r>
-            <a:r>
-              <a:rPr lang="en-US" sz="2800" dirty="0" smtClean="0"/>
-              <a:t>, uploadname, caption, filelocation, </a:t>
-            </a:r>
-            <a:r>
-              <a:rPr lang="en-US" sz="2800" dirty="0" smtClean="0"/>
-              <a:t>owner_id, album_id</a:t>
-            </a:r>
-            <a:r>
-              <a:rPr lang="en-US" sz="2800" dirty="0" smtClean="0"/>
-              <a:t>]</a:t>
+              <a:t>, uploaddate, uploadname, caption, filelocation, owner_id, album_id]</a:t>
             </a:r>
             <a:endParaRPr lang="en-US" sz="2800" dirty="0"/>
           </a:p>
@@ -4031,23 +4410,7 @@
             </a:r>
             <a:r>
               <a:rPr lang="en-US" sz="2800" dirty="0" smtClean="0"/>
-              <a:t>, </a:t>
-            </a:r>
-            <a:r>
-              <a:rPr lang="en-US" sz="2800" dirty="0" smtClean="0"/>
-              <a:t>userID, </a:t>
-            </a:r>
-            <a:r>
-              <a:rPr lang="en-US" sz="2800" dirty="0" smtClean="0"/>
-              <a:t>photo_id</a:t>
-            </a:r>
-            <a:r>
-              <a:rPr lang="en-US" sz="2800" dirty="0" smtClean="0"/>
-              <a:t>, comment_text</a:t>
-            </a:r>
-            <a:r>
-              <a:rPr lang="en-US" sz="2800" dirty="0" smtClean="0"/>
-              <a:t>]</a:t>
+              <a:t>, userID, photo_id, comment_text]</a:t>
             </a:r>
             <a:endParaRPr lang="en-US" sz="2800" dirty="0"/>
           </a:p>
@@ -4119,7 +4482,6 @@
               <a:rPr lang="en-US" sz="2800" dirty="0" smtClean="0"/>
               <a:t>]</a:t>
             </a:r>
-            <a:endParaRPr lang="en-US" sz="2800" dirty="0" smtClean="0"/>
           </a:p>
           <a:p>
             <a:pPr marL="514350" indent="-514350">
@@ -4144,23 +4506,7 @@
             </a:r>
             <a:r>
               <a:rPr lang="en-US" sz="2800" dirty="0" smtClean="0"/>
-              <a:t>, founder_id, founding_date</a:t>
-            </a:r>
-            <a:r>
-              <a:rPr lang="en-US" sz="2800" dirty="0" smtClean="0"/>
-              <a:t>, </a:t>
-            </a:r>
-            <a:r>
-              <a:rPr lang="en-US" sz="2800" dirty="0" smtClean="0"/>
-              <a:t>groupname, group_pic_id, </a:t>
-            </a:r>
-            <a:r>
-              <a:rPr lang="en-US" sz="2800" dirty="0" smtClean="0"/>
-              <a:t>about_text</a:t>
-            </a:r>
-            <a:r>
-              <a:rPr lang="en-US" sz="2800" dirty="0" smtClean="0"/>
-              <a:t>]</a:t>
+              <a:t>, founder_id, founding_date, groupname, group_pic_id, about_text]</a:t>
             </a:r>
             <a:endParaRPr lang="en-US" sz="2800" dirty="0"/>
           </a:p>
@@ -4473,7 +4819,6 @@
               <a:rPr lang="en-US" sz="2800" dirty="0" smtClean="0"/>
               <a:t>[user_id, comment_id]</a:t>
             </a:r>
-            <a:endParaRPr lang="en-US" sz="2800" dirty="0" smtClean="0"/>
           </a:p>
           <a:p>
             <a:pPr marL="514350" indent="-514350">
@@ -4506,11 +4851,7 @@
             </a:r>
             <a:r>
               <a:rPr lang="en-US" sz="2800" dirty="0" smtClean="0"/>
-              <a:t>, </a:t>
-            </a:r>
-            <a:r>
-              <a:rPr lang="en-US" sz="2800" dirty="0" smtClean="0"/>
-              <a:t>description]</a:t>
+              <a:t>, description]</a:t>
             </a:r>
             <a:endParaRPr lang="en-US" sz="2800" dirty="0"/>
           </a:p>

--- a/Minibase/FinalProject/FinalPresentation.pptx
+++ b/Minibase/FinalProject/FinalPresentation.pptx
@@ -307,7 +307,7 @@
             <a:fld id="{1D8BD707-D9CF-40AE-B4C6-C98DA3205C09}" type="datetimeFigureOut">
               <a:rPr lang="en-US" smtClean="0"/>
               <a:pPr/>
-              <a:t>8/26/2014</a:t>
+              <a:t>8/28/2014</a:t>
             </a:fld>
             <a:endParaRPr lang="en-US" dirty="0"/>
           </a:p>
@@ -479,7 +479,7 @@
             <a:fld id="{1D8BD707-D9CF-40AE-B4C6-C98DA3205C09}" type="datetimeFigureOut">
               <a:rPr lang="en-US" smtClean="0"/>
               <a:pPr/>
-              <a:t>8/26/2014</a:t>
+              <a:t>8/28/2014</a:t>
             </a:fld>
             <a:endParaRPr lang="en-US" dirty="0"/>
           </a:p>
@@ -661,7 +661,7 @@
             <a:fld id="{1D8BD707-D9CF-40AE-B4C6-C98DA3205C09}" type="datetimeFigureOut">
               <a:rPr lang="en-US" smtClean="0"/>
               <a:pPr/>
-              <a:t>8/26/2014</a:t>
+              <a:t>8/28/2014</a:t>
             </a:fld>
             <a:endParaRPr lang="en-US" dirty="0"/>
           </a:p>
@@ -833,7 +833,7 @@
             <a:fld id="{1D8BD707-D9CF-40AE-B4C6-C98DA3205C09}" type="datetimeFigureOut">
               <a:rPr lang="en-US" smtClean="0"/>
               <a:pPr/>
-              <a:t>8/26/2014</a:t>
+              <a:t>8/28/2014</a:t>
             </a:fld>
             <a:endParaRPr lang="en-US" dirty="0"/>
           </a:p>
@@ -1081,7 +1081,7 @@
             <a:fld id="{1D8BD707-D9CF-40AE-B4C6-C98DA3205C09}" type="datetimeFigureOut">
               <a:rPr lang="en-US" smtClean="0"/>
               <a:pPr/>
-              <a:t>8/26/2014</a:t>
+              <a:t>8/28/2014</a:t>
             </a:fld>
             <a:endParaRPr lang="en-US" dirty="0"/>
           </a:p>
@@ -1371,7 +1371,7 @@
             <a:fld id="{1D8BD707-D9CF-40AE-B4C6-C98DA3205C09}" type="datetimeFigureOut">
               <a:rPr lang="en-US" smtClean="0"/>
               <a:pPr/>
-              <a:t>8/26/2014</a:t>
+              <a:t>8/28/2014</a:t>
             </a:fld>
             <a:endParaRPr lang="en-US" dirty="0"/>
           </a:p>
@@ -1795,7 +1795,7 @@
             <a:fld id="{1D8BD707-D9CF-40AE-B4C6-C98DA3205C09}" type="datetimeFigureOut">
               <a:rPr lang="en-US" smtClean="0"/>
               <a:pPr/>
-              <a:t>8/26/2014</a:t>
+              <a:t>8/28/2014</a:t>
             </a:fld>
             <a:endParaRPr lang="en-US" dirty="0"/>
           </a:p>
@@ -1915,7 +1915,7 @@
             <a:fld id="{1D8BD707-D9CF-40AE-B4C6-C98DA3205C09}" type="datetimeFigureOut">
               <a:rPr lang="en-US" smtClean="0"/>
               <a:pPr/>
-              <a:t>8/26/2014</a:t>
+              <a:t>8/28/2014</a:t>
             </a:fld>
             <a:endParaRPr lang="en-US" dirty="0"/>
           </a:p>
@@ -2012,7 +2012,7 @@
             <a:fld id="{1D8BD707-D9CF-40AE-B4C6-C98DA3205C09}" type="datetimeFigureOut">
               <a:rPr lang="en-US" smtClean="0"/>
               <a:pPr/>
-              <a:t>8/26/2014</a:t>
+              <a:t>8/28/2014</a:t>
             </a:fld>
             <a:endParaRPr lang="en-US" dirty="0"/>
           </a:p>
@@ -2291,7 +2291,7 @@
             <a:fld id="{1D8BD707-D9CF-40AE-B4C6-C98DA3205C09}" type="datetimeFigureOut">
               <a:rPr lang="en-US" smtClean="0"/>
               <a:pPr/>
-              <a:t>8/26/2014</a:t>
+              <a:t>8/28/2014</a:t>
             </a:fld>
             <a:endParaRPr lang="en-US" dirty="0"/>
           </a:p>
@@ -2546,7 +2546,7 @@
             <a:fld id="{1D8BD707-D9CF-40AE-B4C6-C98DA3205C09}" type="datetimeFigureOut">
               <a:rPr lang="en-US" smtClean="0"/>
               <a:pPr/>
-              <a:t>8/26/2014</a:t>
+              <a:t>8/28/2014</a:t>
             </a:fld>
             <a:endParaRPr lang="en-US" dirty="0"/>
           </a:p>
@@ -2761,7 +2761,7 @@
             <a:fld id="{1D8BD707-D9CF-40AE-B4C6-C98DA3205C09}" type="datetimeFigureOut">
               <a:rPr lang="en-US" smtClean="0"/>
               <a:pPr/>
-              <a:t>8/26/2014</a:t>
+              <a:t>8/28/2014</a:t>
             </a:fld>
             <a:endParaRPr lang="en-US" dirty="0"/>
           </a:p>
@@ -3542,7 +3542,6 @@
               <a:rPr lang="en-US" dirty="0" smtClean="0"/>
               <a:t>In our initial schema we had the following tables:</a:t>
             </a:r>
-            <a:endParaRPr lang="en-US" dirty="0" smtClean="0"/>
           </a:p>
           <a:p>
             <a:endParaRPr lang="en-US" dirty="0" smtClean="0"/>
@@ -5941,44 +5940,35 @@
           <a:chExt cx="0" cy="0"/>
         </a:xfrm>
       </p:grpSpPr>
-      <p:sp>
-        <p:nvSpPr>
-          <p:cNvPr id="2" name="Title 1"/>
-          <p:cNvSpPr>
-            <a:spLocks noGrp="1"/>
-          </p:cNvSpPr>
-          <p:nvPr>
-            <p:ph type="title"/>
-          </p:nvPr>
-        </p:nvSpPr>
-        <p:spPr/>
-        <p:txBody>
-          <a:bodyPr/>
-          <a:lstStyle/>
-          <a:p>
-            <a:endParaRPr lang="en-US"/>
-          </a:p>
-        </p:txBody>
-      </p:sp>
-      <p:sp>
-        <p:nvSpPr>
-          <p:cNvPr id="3" name="Content Placeholder 2"/>
-          <p:cNvSpPr>
-            <a:spLocks noGrp="1"/>
-          </p:cNvSpPr>
+      <p:pic>
+        <p:nvPicPr>
+          <p:cNvPr id="4" name="Content Placeholder 3"/>
+          <p:cNvPicPr>
+            <a:picLocks noGrp="1" noChangeAspect="1"/>
+          </p:cNvPicPr>
           <p:nvPr>
             <p:ph idx="1"/>
           </p:nvPr>
-        </p:nvSpPr>
-        <p:spPr/>
-        <p:txBody>
-          <a:bodyPr/>
-          <a:lstStyle/>
-          <a:p>
-            <a:endParaRPr lang="en-US"/>
-          </a:p>
-        </p:txBody>
-      </p:sp>
+        </p:nvPicPr>
+        <p:blipFill>
+          <a:blip r:embed="rId2">
+            <a:extLst>
+              <a:ext uri="{28A0092B-C50C-407E-A947-70E740481C1C}">
+                <a14:useLocalDpi xmlns:a14="http://schemas.microsoft.com/office/drawing/2010/main" val="0"/>
+              </a:ext>
+            </a:extLst>
+          </a:blip>
+          <a:stretch>
+            <a:fillRect/>
+          </a:stretch>
+        </p:blipFill>
+        <p:spPr>
+          <a:xfrm>
+            <a:off x="533400" y="762000"/>
+            <a:ext cx="8396229" cy="5105400"/>
+          </a:xfrm>
+        </p:spPr>
+      </p:pic>
     </p:spTree>
     <p:extLst>
       <p:ext uri="{BB962C8B-B14F-4D97-AF65-F5344CB8AC3E}">
